--- a/4. Promotion/포트폴리오.pptx
+++ b/4. Promotion/포트폴리오.pptx
@@ -266,7 +266,7 @@
           <a:p>
             <a:fld id="{87FF62F0-588C-4FEE-A030-8EDA2FA93A6D}" type="datetimeFigureOut">
               <a:rPr lang="ko-KR" altLang="en-US" smtClean="0"/>
-              <a:t>2024-06-22</a:t>
+              <a:t>2024-07-09</a:t>
             </a:fld>
             <a:endParaRPr lang="ko-KR" altLang="en-US"/>
           </a:p>
@@ -464,7 +464,7 @@
           <a:p>
             <a:fld id="{87FF62F0-588C-4FEE-A030-8EDA2FA93A6D}" type="datetimeFigureOut">
               <a:rPr lang="ko-KR" altLang="en-US" smtClean="0"/>
-              <a:t>2024-06-22</a:t>
+              <a:t>2024-07-09</a:t>
             </a:fld>
             <a:endParaRPr lang="ko-KR" altLang="en-US"/>
           </a:p>
@@ -672,7 +672,7 @@
           <a:p>
             <a:fld id="{87FF62F0-588C-4FEE-A030-8EDA2FA93A6D}" type="datetimeFigureOut">
               <a:rPr lang="ko-KR" altLang="en-US" smtClean="0"/>
-              <a:t>2024-06-22</a:t>
+              <a:t>2024-07-09</a:t>
             </a:fld>
             <a:endParaRPr lang="ko-KR" altLang="en-US"/>
           </a:p>
@@ -870,7 +870,7 @@
           <a:p>
             <a:fld id="{87FF62F0-588C-4FEE-A030-8EDA2FA93A6D}" type="datetimeFigureOut">
               <a:rPr lang="ko-KR" altLang="en-US" smtClean="0"/>
-              <a:t>2024-06-22</a:t>
+              <a:t>2024-07-09</a:t>
             </a:fld>
             <a:endParaRPr lang="ko-KR" altLang="en-US"/>
           </a:p>
@@ -1145,7 +1145,7 @@
           <a:p>
             <a:fld id="{87FF62F0-588C-4FEE-A030-8EDA2FA93A6D}" type="datetimeFigureOut">
               <a:rPr lang="ko-KR" altLang="en-US" smtClean="0"/>
-              <a:t>2024-06-22</a:t>
+              <a:t>2024-07-09</a:t>
             </a:fld>
             <a:endParaRPr lang="ko-KR" altLang="en-US"/>
           </a:p>
@@ -1410,7 +1410,7 @@
           <a:p>
             <a:fld id="{87FF62F0-588C-4FEE-A030-8EDA2FA93A6D}" type="datetimeFigureOut">
               <a:rPr lang="ko-KR" altLang="en-US" smtClean="0"/>
-              <a:t>2024-06-22</a:t>
+              <a:t>2024-07-09</a:t>
             </a:fld>
             <a:endParaRPr lang="ko-KR" altLang="en-US"/>
           </a:p>
@@ -1822,7 +1822,7 @@
           <a:p>
             <a:fld id="{87FF62F0-588C-4FEE-A030-8EDA2FA93A6D}" type="datetimeFigureOut">
               <a:rPr lang="ko-KR" altLang="en-US" smtClean="0"/>
-              <a:t>2024-06-22</a:t>
+              <a:t>2024-07-09</a:t>
             </a:fld>
             <a:endParaRPr lang="ko-KR" altLang="en-US"/>
           </a:p>
@@ -1963,7 +1963,7 @@
           <a:p>
             <a:fld id="{87FF62F0-588C-4FEE-A030-8EDA2FA93A6D}" type="datetimeFigureOut">
               <a:rPr lang="ko-KR" altLang="en-US" smtClean="0"/>
-              <a:t>2024-06-22</a:t>
+              <a:t>2024-07-09</a:t>
             </a:fld>
             <a:endParaRPr lang="ko-KR" altLang="en-US"/>
           </a:p>
@@ -2076,7 +2076,7 @@
           <a:p>
             <a:fld id="{87FF62F0-588C-4FEE-A030-8EDA2FA93A6D}" type="datetimeFigureOut">
               <a:rPr lang="ko-KR" altLang="en-US" smtClean="0"/>
-              <a:t>2024-06-22</a:t>
+              <a:t>2024-07-09</a:t>
             </a:fld>
             <a:endParaRPr lang="ko-KR" altLang="en-US"/>
           </a:p>
@@ -2387,7 +2387,7 @@
           <a:p>
             <a:fld id="{87FF62F0-588C-4FEE-A030-8EDA2FA93A6D}" type="datetimeFigureOut">
               <a:rPr lang="ko-KR" altLang="en-US" smtClean="0"/>
-              <a:t>2024-06-22</a:t>
+              <a:t>2024-07-09</a:t>
             </a:fld>
             <a:endParaRPr lang="ko-KR" altLang="en-US"/>
           </a:p>
@@ -2675,7 +2675,7 @@
           <a:p>
             <a:fld id="{87FF62F0-588C-4FEE-A030-8EDA2FA93A6D}" type="datetimeFigureOut">
               <a:rPr lang="ko-KR" altLang="en-US" smtClean="0"/>
-              <a:t>2024-06-22</a:t>
+              <a:t>2024-07-09</a:t>
             </a:fld>
             <a:endParaRPr lang="ko-KR" altLang="en-US"/>
           </a:p>
@@ -2916,7 +2916,7 @@
           <a:p>
             <a:fld id="{87FF62F0-588C-4FEE-A030-8EDA2FA93A6D}" type="datetimeFigureOut">
               <a:rPr lang="ko-KR" altLang="en-US" smtClean="0"/>
-              <a:t>2024-06-22</a:t>
+              <a:t>2024-07-09</a:t>
             </a:fld>
             <a:endParaRPr lang="ko-KR" altLang="en-US"/>
           </a:p>
@@ -8019,7 +8019,7 @@
           <p:nvPr>
             <p:extLst>
               <p:ext uri="{D42A27DB-BD31-4B8C-83A1-F6EECF244321}">
-                <p14:modId xmlns:p14="http://schemas.microsoft.com/office/powerpoint/2010/main" val="1916893636"/>
+                <p14:modId xmlns:p14="http://schemas.microsoft.com/office/powerpoint/2010/main" val="1159170198"/>
               </p:ext>
             </p:extLst>
           </p:nvPr>
@@ -8623,6 +8623,27 @@
                         <a:ea typeface="나눔고딕" panose="020D0604000000000000" pitchFamily="50" charset="-127"/>
                       </a:endParaRPr>
                     </a:p>
+                    <a:p>
+                      <a:pPr algn="l" latinLnBrk="1"/>
+                      <a:r>
+                        <a:rPr lang="en-US" altLang="ko-KR" sz="1000" dirty="0">
+                          <a:latin typeface="나눔고딕" panose="020D0604000000000000" pitchFamily="50" charset="-127"/>
+                          <a:ea typeface="나눔고딕" panose="020D0604000000000000" pitchFamily="50" charset="-127"/>
+                        </a:rPr>
+                        <a:t>- </a:t>
+                      </a:r>
+                      <a:r>
+                        <a:rPr lang="ko-KR" altLang="en-US" sz="1000" dirty="0">
+                          <a:latin typeface="나눔고딕" panose="020D0604000000000000" pitchFamily="50" charset="-127"/>
+                          <a:ea typeface="나눔고딕" panose="020D0604000000000000" pitchFamily="50" charset="-127"/>
+                        </a:rPr>
+                        <a:t>데이터 파이프라인 운영</a:t>
+                      </a:r>
+                      <a:endParaRPr lang="en-US" altLang="ko-KR" sz="1000" dirty="0">
+                        <a:latin typeface="나눔고딕" panose="020D0604000000000000" pitchFamily="50" charset="-127"/>
+                        <a:ea typeface="나눔고딕" panose="020D0604000000000000" pitchFamily="50" charset="-127"/>
+                      </a:endParaRPr>
+                    </a:p>
                   </a:txBody>
                   <a:tcPr anchor="ctr"/>
                 </a:tc>
@@ -8661,78 +8682,6 @@
                           <a:latin typeface="나눔고딕" panose="020D0604000000000000" pitchFamily="50" charset="-127"/>
                           <a:ea typeface="나눔고딕" panose="020D0604000000000000" pitchFamily="50" charset="-127"/>
                         </a:rPr>
-                        <a:t>- Raw Data </a:t>
-                      </a:r>
-                      <a:r>
-                        <a:rPr lang="en-US" altLang="ko-KR" sz="1000" dirty="0" err="1">
-                          <a:latin typeface="나눔고딕" panose="020D0604000000000000" pitchFamily="50" charset="-127"/>
-                          <a:ea typeface="나눔고딕" panose="020D0604000000000000" pitchFamily="50" charset="-127"/>
-                        </a:rPr>
-                        <a:t>분석</a:t>
-                      </a:r>
-                      <a:r>
-                        <a:rPr lang="en-US" altLang="ko-KR" sz="1000" dirty="0">
-                          <a:latin typeface="나눔고딕" panose="020D0604000000000000" pitchFamily="50" charset="-127"/>
-                          <a:ea typeface="나눔고딕" panose="020D0604000000000000" pitchFamily="50" charset="-127"/>
-                        </a:rPr>
-                        <a:t> 및 Parsing Rule </a:t>
-                      </a:r>
-                      <a:r>
-                        <a:rPr lang="en-US" altLang="ko-KR" sz="1000" dirty="0" err="1">
-                          <a:latin typeface="나눔고딕" panose="020D0604000000000000" pitchFamily="50" charset="-127"/>
-                          <a:ea typeface="나눔고딕" panose="020D0604000000000000" pitchFamily="50" charset="-127"/>
-                        </a:rPr>
-                        <a:t>관리</a:t>
-                      </a:r>
-                      <a:br>
-                        <a:rPr lang="en-US" altLang="ko-KR" sz="1000" dirty="0">
-                          <a:latin typeface="나눔고딕" panose="020D0604000000000000" pitchFamily="50" charset="-127"/>
-                          <a:ea typeface="나눔고딕" panose="020D0604000000000000" pitchFamily="50" charset="-127"/>
-                        </a:rPr>
-                      </a:br>
-                      <a:r>
-                        <a:rPr lang="en-US" altLang="ko-KR" sz="1000" dirty="0">
-                          <a:latin typeface="나눔고딕" panose="020D0604000000000000" pitchFamily="50" charset="-127"/>
-                          <a:ea typeface="나눔고딕" panose="020D0604000000000000" pitchFamily="50" charset="-127"/>
-                        </a:rPr>
-                        <a:t>   csv to </a:t>
-                      </a:r>
-                      <a:r>
-                        <a:rPr lang="en-US" altLang="ko-KR" sz="1000" dirty="0" err="1">
-                          <a:latin typeface="나눔고딕" panose="020D0604000000000000" pitchFamily="50" charset="-127"/>
-                          <a:ea typeface="나눔고딕" panose="020D0604000000000000" pitchFamily="50" charset="-127"/>
-                        </a:rPr>
-                        <a:t>json</a:t>
-                      </a:r>
-                      <a:r>
-                        <a:rPr lang="en-US" altLang="ko-KR" sz="1000" dirty="0">
-                          <a:latin typeface="나눔고딕" panose="020D0604000000000000" pitchFamily="50" charset="-127"/>
-                          <a:ea typeface="나눔고딕" panose="020D0604000000000000" pitchFamily="50" charset="-127"/>
-                        </a:rPr>
-                        <a:t> (</a:t>
-                      </a:r>
-                      <a:r>
-                        <a:rPr lang="en-US" altLang="ko-KR" sz="1000" dirty="0" err="1">
-                          <a:latin typeface="나눔고딕" panose="020D0604000000000000" pitchFamily="50" charset="-127"/>
-                          <a:ea typeface="나눔고딕" panose="020D0604000000000000" pitchFamily="50" charset="-127"/>
-                        </a:rPr>
-                        <a:t>kafka</a:t>
-                      </a:r>
-                      <a:r>
-                        <a:rPr lang="en-US" altLang="ko-KR" sz="1000" dirty="0">
-                          <a:latin typeface="나눔고딕" panose="020D0604000000000000" pitchFamily="50" charset="-127"/>
-                          <a:ea typeface="나눔고딕" panose="020D0604000000000000" pitchFamily="50" charset="-127"/>
-                        </a:rPr>
-                        <a:t> message)</a:t>
-                      </a:r>
-                    </a:p>
-                    <a:p>
-                      <a:pPr algn="l" latinLnBrk="1"/>
-                      <a:r>
-                        <a:rPr lang="en-US" altLang="ko-KR" sz="1000" dirty="0">
-                          <a:latin typeface="나눔고딕" panose="020D0604000000000000" pitchFamily="50" charset="-127"/>
-                          <a:ea typeface="나눔고딕" panose="020D0604000000000000" pitchFamily="50" charset="-127"/>
-                        </a:rPr>
                         <a:t>- </a:t>
                       </a:r>
                       <a:r>
@@ -8788,6 +8737,30 @@
                         <a:latin typeface="나눔고딕" panose="020D0604000000000000" pitchFamily="50" charset="-127"/>
                         <a:ea typeface="나눔고딕" panose="020D0604000000000000" pitchFamily="50" charset="-127"/>
                       </a:endParaRPr>
+                    </a:p>
+                    <a:p>
+                      <a:pPr algn="l" latinLnBrk="1"/>
+                      <a:r>
+                        <a:rPr lang="en-US" altLang="ko-KR" sz="800" dirty="0">
+                          <a:latin typeface="나눔고딕" panose="020D0604000000000000" pitchFamily="50" charset="-127"/>
+                          <a:ea typeface="나눔고딕" panose="020D0604000000000000" pitchFamily="50" charset="-127"/>
+                        </a:rPr>
+                        <a:t>  : </a:t>
+                      </a:r>
+                      <a:r>
+                        <a:rPr lang="ko-KR" altLang="en-US" sz="800" dirty="0">
+                          <a:latin typeface="나눔고딕" panose="020D0604000000000000" pitchFamily="50" charset="-127"/>
+                          <a:ea typeface="나눔고딕" panose="020D0604000000000000" pitchFamily="50" charset="-127"/>
+                        </a:rPr>
+                        <a:t>데이터 파이프라인 운영 </a:t>
+                      </a:r>
+                      <a:r>
+                        <a:rPr lang="en-US" altLang="ko-KR" sz="800" dirty="0">
+                          <a:latin typeface="나눔고딕" panose="020D0604000000000000" pitchFamily="50" charset="-127"/>
+                          <a:ea typeface="나눔고딕" panose="020D0604000000000000" pitchFamily="50" charset="-127"/>
+                        </a:rPr>
+                        <a:t>: FEP/GW (JSON, CSV, XML, ETC) -&gt; Adaptor (Python) -&gt; Parser (Parsing) -&gt; Kafka or Server (SFTP)</a:t>
+                      </a:r>
                     </a:p>
                     <a:p>
                       <a:pPr algn="l" latinLnBrk="1"/>
@@ -9822,7 +9795,7 @@
           <p:nvPr>
             <p:extLst>
               <p:ext uri="{D42A27DB-BD31-4B8C-83A1-F6EECF244321}">
-                <p14:modId xmlns:p14="http://schemas.microsoft.com/office/powerpoint/2010/main" val="4016854538"/>
+                <p14:modId xmlns:p14="http://schemas.microsoft.com/office/powerpoint/2010/main" val="1395204143"/>
               </p:ext>
             </p:extLst>
           </p:nvPr>
@@ -11011,86 +10984,6 @@
                         <a:latin typeface="나눔고딕" panose="020D0604000000000000" pitchFamily="50" charset="-127"/>
                         <a:ea typeface="나눔고딕" panose="020D0604000000000000" pitchFamily="50" charset="-127"/>
                       </a:endParaRPr>
-                    </a:p>
-                    <a:p>
-                      <a:pPr algn="l" latinLnBrk="1"/>
-                      <a:r>
-                        <a:rPr lang="en-US" altLang="ko-KR" sz="1000" dirty="0">
-                          <a:latin typeface="나눔고딕" panose="020D0604000000000000" pitchFamily="50" charset="-127"/>
-                          <a:ea typeface="나눔고딕" panose="020D0604000000000000" pitchFamily="50" charset="-127"/>
-                        </a:rPr>
-                        <a:t>- </a:t>
-                      </a:r>
-                      <a:r>
-                        <a:rPr lang="en-US" altLang="ko-KR" sz="1000" dirty="0" err="1">
-                          <a:latin typeface="나눔고딕" panose="020D0604000000000000" pitchFamily="50" charset="-127"/>
-                          <a:ea typeface="나눔고딕" panose="020D0604000000000000" pitchFamily="50" charset="-127"/>
-                        </a:rPr>
-                        <a:t>신입사원</a:t>
-                      </a:r>
-                      <a:r>
-                        <a:rPr lang="en-US" altLang="ko-KR" sz="1000" dirty="0">
-                          <a:latin typeface="나눔고딕" panose="020D0604000000000000" pitchFamily="50" charset="-127"/>
-                          <a:ea typeface="나눔고딕" panose="020D0604000000000000" pitchFamily="50" charset="-127"/>
-                        </a:rPr>
-                        <a:t> </a:t>
-                      </a:r>
-                      <a:r>
-                        <a:rPr lang="en-US" altLang="ko-KR" sz="1000" dirty="0" err="1">
-                          <a:latin typeface="나눔고딕" panose="020D0604000000000000" pitchFamily="50" charset="-127"/>
-                          <a:ea typeface="나눔고딕" panose="020D0604000000000000" pitchFamily="50" charset="-127"/>
-                        </a:rPr>
-                        <a:t>클라우드</a:t>
-                      </a:r>
-                      <a:r>
-                        <a:rPr lang="en-US" altLang="ko-KR" sz="1000" dirty="0">
-                          <a:latin typeface="나눔고딕" panose="020D0604000000000000" pitchFamily="50" charset="-127"/>
-                          <a:ea typeface="나눔고딕" panose="020D0604000000000000" pitchFamily="50" charset="-127"/>
-                        </a:rPr>
-                        <a:t> </a:t>
-                      </a:r>
-                      <a:r>
-                        <a:rPr lang="en-US" altLang="ko-KR" sz="1000" dirty="0" err="1">
-                          <a:latin typeface="나눔고딕" panose="020D0604000000000000" pitchFamily="50" charset="-127"/>
-                          <a:ea typeface="나눔고딕" panose="020D0604000000000000" pitchFamily="50" charset="-127"/>
-                        </a:rPr>
-                        <a:t>기본</a:t>
-                      </a:r>
-                      <a:r>
-                        <a:rPr lang="en-US" altLang="ko-KR" sz="1000" dirty="0">
-                          <a:latin typeface="나눔고딕" panose="020D0604000000000000" pitchFamily="50" charset="-127"/>
-                          <a:ea typeface="나눔고딕" panose="020D0604000000000000" pitchFamily="50" charset="-127"/>
-                        </a:rPr>
-                        <a:t> </a:t>
-                      </a:r>
-                      <a:r>
-                        <a:rPr lang="en-US" altLang="ko-KR" sz="1000" dirty="0" err="1">
-                          <a:latin typeface="나눔고딕" panose="020D0604000000000000" pitchFamily="50" charset="-127"/>
-                          <a:ea typeface="나눔고딕" panose="020D0604000000000000" pitchFamily="50" charset="-127"/>
-                        </a:rPr>
-                        <a:t>교육</a:t>
-                      </a:r>
-                      <a:r>
-                        <a:rPr lang="en-US" altLang="ko-KR" sz="1000" dirty="0">
-                          <a:latin typeface="나눔고딕" panose="020D0604000000000000" pitchFamily="50" charset="-127"/>
-                          <a:ea typeface="나눔고딕" panose="020D0604000000000000" pitchFamily="50" charset="-127"/>
-                        </a:rPr>
-                        <a:t> (Docker, K8S, </a:t>
-                      </a:r>
-                      <a:r>
-                        <a:rPr lang="en-US" altLang="ko-KR" sz="1000" dirty="0" err="1">
-                          <a:latin typeface="나눔고딕" panose="020D0604000000000000" pitchFamily="50" charset="-127"/>
-                          <a:ea typeface="나눔고딕" panose="020D0604000000000000" pitchFamily="50" charset="-127"/>
-                        </a:rPr>
-                        <a:t>HelmChart</a:t>
-                      </a:r>
-                      <a:r>
-                        <a:rPr lang="en-US" altLang="ko-KR" sz="1000" dirty="0">
-                          <a:latin typeface="나눔고딕" panose="020D0604000000000000" pitchFamily="50" charset="-127"/>
-                          <a:ea typeface="나눔고딕" panose="020D0604000000000000" pitchFamily="50" charset="-127"/>
-                        </a:rPr>
-                        <a:t>, AWS)</a:t>
-                      </a:r>
                     </a:p>
                   </a:txBody>
                   <a:tcPr anchor="ctr"/>
@@ -12836,7 +12729,7 @@
           <p:nvPr>
             <p:extLst>
               <p:ext uri="{D42A27DB-BD31-4B8C-83A1-F6EECF244321}">
-                <p14:modId xmlns:p14="http://schemas.microsoft.com/office/powerpoint/2010/main" val="458585226"/>
+                <p14:modId xmlns:p14="http://schemas.microsoft.com/office/powerpoint/2010/main" val="3459584735"/>
               </p:ext>
             </p:extLst>
           </p:nvPr>
@@ -14140,16 +14033,180 @@
                         <a:t>작성 및 </a:t>
                       </a:r>
                       <a:r>
-                        <a:rPr lang="en-US" altLang="ko-KR" sz="1000" dirty="0" err="1">
-                          <a:latin typeface="나눔고딕" panose="020D0604000000000000" pitchFamily="50" charset="-127"/>
-                          <a:ea typeface="나눔고딕" panose="020D0604000000000000" pitchFamily="50" charset="-127"/>
-                        </a:rPr>
-                        <a:t>관리</a:t>
+                        <a:rPr lang="en-US" altLang="ko-KR" sz="1000" dirty="0">
+                          <a:latin typeface="나눔고딕" panose="020D0604000000000000" pitchFamily="50" charset="-127"/>
+                          <a:ea typeface="나눔고딕" panose="020D0604000000000000" pitchFamily="50" charset="-127"/>
+                        </a:rPr>
+                        <a:t>관</a:t>
+                      </a:r>
+                      <a:r>
+                        <a:rPr lang="ko-KR" altLang="en-US" sz="1000" dirty="0">
+                          <a:latin typeface="나눔고딕" panose="020D0604000000000000" pitchFamily="50" charset="-127"/>
+                          <a:ea typeface="나눔고딕" panose="020D0604000000000000" pitchFamily="50" charset="-127"/>
+                        </a:rPr>
+                        <a:t>리</a:t>
                       </a:r>
                       <a:endParaRPr lang="en-US" altLang="ko-KR" sz="1000" dirty="0">
                         <a:latin typeface="나눔고딕" panose="020D0604000000000000" pitchFamily="50" charset="-127"/>
                         <a:ea typeface="나눔고딕" panose="020D0604000000000000" pitchFamily="50" charset="-127"/>
                       </a:endParaRPr>
+                    </a:p>
+                    <a:p>
+                      <a:pPr algn="l" latinLnBrk="1"/>
+                      <a:r>
+                        <a:rPr lang="en-US" altLang="ko-KR" sz="800" dirty="0">
+                          <a:latin typeface="나눔고딕" panose="020D0604000000000000" pitchFamily="50" charset="-127"/>
+                          <a:ea typeface="나눔고딕" panose="020D0604000000000000" pitchFamily="50" charset="-127"/>
+                        </a:rPr>
+                        <a:t>  : </a:t>
+                      </a:r>
+                      <a:r>
+                        <a:rPr lang="ko-KR" altLang="en-US" sz="800" dirty="0">
+                          <a:latin typeface="나눔고딕" panose="020D0604000000000000" pitchFamily="50" charset="-127"/>
+                          <a:ea typeface="나눔고딕" panose="020D0604000000000000" pitchFamily="50" charset="-127"/>
+                        </a:rPr>
+                        <a:t>요구사항 정의서</a:t>
+                      </a:r>
+                      <a:r>
+                        <a:rPr lang="en-US" altLang="ko-KR" sz="800" dirty="0">
+                          <a:latin typeface="나눔고딕" panose="020D0604000000000000" pitchFamily="50" charset="-127"/>
+                          <a:ea typeface="나눔고딕" panose="020D0604000000000000" pitchFamily="50" charset="-127"/>
+                        </a:rPr>
+                        <a:t>, UI </a:t>
+                      </a:r>
+                      <a:r>
+                        <a:rPr lang="ko-KR" altLang="en-US" sz="800" dirty="0">
+                          <a:latin typeface="나눔고딕" panose="020D0604000000000000" pitchFamily="50" charset="-127"/>
+                          <a:ea typeface="나눔고딕" panose="020D0604000000000000" pitchFamily="50" charset="-127"/>
+                        </a:rPr>
+                        <a:t>설계서</a:t>
+                      </a:r>
+                      <a:r>
+                        <a:rPr lang="en-US" altLang="ko-KR" sz="800" dirty="0">
+                          <a:latin typeface="나눔고딕" panose="020D0604000000000000" pitchFamily="50" charset="-127"/>
+                          <a:ea typeface="나눔고딕" panose="020D0604000000000000" pitchFamily="50" charset="-127"/>
+                        </a:rPr>
+                        <a:t>, </a:t>
+                      </a:r>
+                      <a:r>
+                        <a:rPr lang="ko-KR" altLang="en-US" sz="800" dirty="0">
+                          <a:latin typeface="나눔고딕" panose="020D0604000000000000" pitchFamily="50" charset="-127"/>
+                          <a:ea typeface="나눔고딕" panose="020D0604000000000000" pitchFamily="50" charset="-127"/>
+                        </a:rPr>
+                        <a:t>아키텍처 정의서</a:t>
+                      </a:r>
+                      <a:r>
+                        <a:rPr lang="en-US" altLang="ko-KR" sz="800" dirty="0">
+                          <a:latin typeface="나눔고딕" panose="020D0604000000000000" pitchFamily="50" charset="-127"/>
+                          <a:ea typeface="나눔고딕" panose="020D0604000000000000" pitchFamily="50" charset="-127"/>
+                        </a:rPr>
+                        <a:t>, </a:t>
+                      </a:r>
+                      <a:r>
+                        <a:rPr lang="ko-KR" altLang="en-US" sz="800" dirty="0">
+                          <a:latin typeface="나눔고딕" panose="020D0604000000000000" pitchFamily="50" charset="-127"/>
+                          <a:ea typeface="나눔고딕" panose="020D0604000000000000" pitchFamily="50" charset="-127"/>
+                        </a:rPr>
+                        <a:t>프로그램 목록</a:t>
+                      </a:r>
+                      <a:r>
+                        <a:rPr lang="en-US" altLang="ko-KR" sz="800" dirty="0">
+                          <a:latin typeface="나눔고딕" panose="020D0604000000000000" pitchFamily="50" charset="-127"/>
+                          <a:ea typeface="나눔고딕" panose="020D0604000000000000" pitchFamily="50" charset="-127"/>
+                        </a:rPr>
+                        <a:t>, DB </a:t>
+                      </a:r>
+                      <a:r>
+                        <a:rPr lang="ko-KR" altLang="en-US" sz="800" dirty="0">
+                          <a:latin typeface="나눔고딕" panose="020D0604000000000000" pitchFamily="50" charset="-127"/>
+                          <a:ea typeface="나눔고딕" panose="020D0604000000000000" pitchFamily="50" charset="-127"/>
+                        </a:rPr>
+                        <a:t>설계서</a:t>
+                      </a:r>
+                      <a:r>
+                        <a:rPr lang="en-US" altLang="ko-KR" sz="800" dirty="0">
+                          <a:latin typeface="나눔고딕" panose="020D0604000000000000" pitchFamily="50" charset="-127"/>
+                          <a:ea typeface="나눔고딕" panose="020D0604000000000000" pitchFamily="50" charset="-127"/>
+                        </a:rPr>
+                        <a:t>, </a:t>
+                      </a:r>
+                      <a:r>
+                        <a:rPr lang="ko-KR" altLang="en-US" sz="800" dirty="0">
+                          <a:latin typeface="나눔고딕" panose="020D0604000000000000" pitchFamily="50" charset="-127"/>
+                          <a:ea typeface="나눔고딕" panose="020D0604000000000000" pitchFamily="50" charset="-127"/>
+                        </a:rPr>
+                        <a:t>시나리오 케이스</a:t>
+                      </a:r>
+                      <a:r>
+                        <a:rPr lang="en-US" altLang="ko-KR" sz="800" dirty="0">
+                          <a:latin typeface="나눔고딕" panose="020D0604000000000000" pitchFamily="50" charset="-127"/>
+                          <a:ea typeface="나눔고딕" panose="020D0604000000000000" pitchFamily="50" charset="-127"/>
+                        </a:rPr>
+                        <a:t>, </a:t>
+                      </a:r>
+                      <a:r>
+                        <a:rPr lang="ko-KR" altLang="en-US" sz="800" dirty="0">
+                          <a:latin typeface="나눔고딕" panose="020D0604000000000000" pitchFamily="50" charset="-127"/>
+                          <a:ea typeface="나눔고딕" panose="020D0604000000000000" pitchFamily="50" charset="-127"/>
+                        </a:rPr>
+                        <a:t>기능 테스트 </a:t>
+                      </a:r>
+                      <a:r>
+                        <a:rPr lang="ko-KR" altLang="en-US" sz="800" dirty="0" err="1">
+                          <a:latin typeface="나눔고딕" panose="020D0604000000000000" pitchFamily="50" charset="-127"/>
+                          <a:ea typeface="나눔고딕" panose="020D0604000000000000" pitchFamily="50" charset="-127"/>
+                        </a:rPr>
+                        <a:t>증적</a:t>
+                      </a:r>
+                      <a:r>
+                        <a:rPr lang="en-US" altLang="ko-KR" sz="800" dirty="0">
+                          <a:latin typeface="나눔고딕" panose="020D0604000000000000" pitchFamily="50" charset="-127"/>
+                          <a:ea typeface="나눔고딕" panose="020D0604000000000000" pitchFamily="50" charset="-127"/>
+                        </a:rPr>
+                        <a:t>, </a:t>
+                      </a:r>
+                      <a:r>
+                        <a:rPr lang="ko-KR" altLang="en-US" sz="800" dirty="0">
+                          <a:latin typeface="나눔고딕" panose="020D0604000000000000" pitchFamily="50" charset="-127"/>
+                          <a:ea typeface="나눔고딕" panose="020D0604000000000000" pitchFamily="50" charset="-127"/>
+                        </a:rPr>
+                        <a:t>사용자</a:t>
+                      </a:r>
+                      <a:r>
+                        <a:rPr lang="en-US" altLang="ko-KR" sz="800" dirty="0">
+                          <a:latin typeface="나눔고딕" panose="020D0604000000000000" pitchFamily="50" charset="-127"/>
+                          <a:ea typeface="나눔고딕" panose="020D0604000000000000" pitchFamily="50" charset="-127"/>
+                        </a:rPr>
+                        <a:t>/</a:t>
+                      </a:r>
+                      <a:r>
+                        <a:rPr lang="ko-KR" altLang="en-US" sz="800" dirty="0">
+                          <a:latin typeface="나눔고딕" panose="020D0604000000000000" pitchFamily="50" charset="-127"/>
+                          <a:ea typeface="나눔고딕" panose="020D0604000000000000" pitchFamily="50" charset="-127"/>
+                        </a:rPr>
+                        <a:t>운영자 매뉴얼</a:t>
+                      </a:r>
+                      <a:r>
+                        <a:rPr lang="en-US" altLang="ko-KR" sz="800" dirty="0">
+                          <a:latin typeface="나눔고딕" panose="020D0604000000000000" pitchFamily="50" charset="-127"/>
+                          <a:ea typeface="나눔고딕" panose="020D0604000000000000" pitchFamily="50" charset="-127"/>
+                        </a:rPr>
+                        <a:t>, </a:t>
+                      </a:r>
+                      <a:r>
+                        <a:rPr lang="ko-KR" altLang="en-US" sz="800" dirty="0">
+                          <a:latin typeface="나눔고딕" panose="020D0604000000000000" pitchFamily="50" charset="-127"/>
+                          <a:ea typeface="나눔고딕" panose="020D0604000000000000" pitchFamily="50" charset="-127"/>
+                        </a:rPr>
+                        <a:t>장애상황 대응 시나리오</a:t>
+                      </a:r>
+                      <a:r>
+                        <a:rPr lang="en-US" altLang="ko-KR" sz="800" dirty="0">
+                          <a:latin typeface="나눔고딕" panose="020D0604000000000000" pitchFamily="50" charset="-127"/>
+                          <a:ea typeface="나눔고딕" panose="020D0604000000000000" pitchFamily="50" charset="-127"/>
+                        </a:rPr>
+                        <a:t>)</a:t>
+                      </a:r>
                     </a:p>
                     <a:p>
                       <a:pPr algn="l" latinLnBrk="1"/>
@@ -14552,7 +14609,7 @@
           <p:nvPr>
             <p:extLst>
               <p:ext uri="{D42A27DB-BD31-4B8C-83A1-F6EECF244321}">
-                <p14:modId xmlns:p14="http://schemas.microsoft.com/office/powerpoint/2010/main" val="822003475"/>
+                <p14:modId xmlns:p14="http://schemas.microsoft.com/office/powerpoint/2010/main" val="255925135"/>
               </p:ext>
             </p:extLst>
           </p:nvPr>
@@ -18115,7 +18172,21 @@
                           <a:latin typeface="나눔고딕" panose="020D0604000000000000" pitchFamily="50" charset="-127"/>
                           <a:ea typeface="나눔고딕" panose="020D0604000000000000" pitchFamily="50" charset="-127"/>
                         </a:rPr>
-                        <a:t>  - RDS(Aurora) Table 및 Partition </a:t>
+                        <a:t>  - </a:t>
+                      </a:r>
+                      <a:r>
+                        <a:rPr lang="ko-KR" altLang="en-US" sz="800" dirty="0">
+                          <a:latin typeface="나눔고딕" panose="020D0604000000000000" pitchFamily="50" charset="-127"/>
+                          <a:ea typeface="나눔고딕" panose="020D0604000000000000" pitchFamily="50" charset="-127"/>
+                        </a:rPr>
+                        <a:t>데이터베이스 모델링 </a:t>
+                      </a:r>
+                      <a:r>
+                        <a:rPr lang="en-US" altLang="ko-KR" sz="800" dirty="0">
+                          <a:latin typeface="나눔고딕" panose="020D0604000000000000" pitchFamily="50" charset="-127"/>
+                          <a:ea typeface="나눔고딕" panose="020D0604000000000000" pitchFamily="50" charset="-127"/>
+                        </a:rPr>
+                        <a:t>(RDS(Aurora MySQL) Table 및 Partition </a:t>
                       </a:r>
                       <a:r>
                         <a:rPr lang="en-US" altLang="ko-KR" sz="800" dirty="0" err="1">
@@ -18124,10 +18195,13 @@
                         </a:rPr>
                         <a:t>설계</a:t>
                       </a:r>
-                      <a:endParaRPr lang="en-US" altLang="ko-KR" sz="800" dirty="0">
-                        <a:latin typeface="나눔고딕" panose="020D0604000000000000" pitchFamily="50" charset="-127"/>
-                        <a:ea typeface="나눔고딕" panose="020D0604000000000000" pitchFamily="50" charset="-127"/>
-                      </a:endParaRPr>
+                      <a:r>
+                        <a:rPr lang="en-US" altLang="ko-KR" sz="800" dirty="0">
+                          <a:latin typeface="나눔고딕" panose="020D0604000000000000" pitchFamily="50" charset="-127"/>
+                          <a:ea typeface="나눔고딕" panose="020D0604000000000000" pitchFamily="50" charset="-127"/>
+                        </a:rPr>
+                        <a:t>)</a:t>
+                      </a:r>
                     </a:p>
                   </a:txBody>
                   <a:tcPr anchor="ctr"/>
